--- a/Report/diagrams.pptx
+++ b/Report/diagrams.pptx
@@ -6,6 +6,9 @@
   </p:sldMasterIdLst>
   <p:sldIdLst>
     <p:sldId id="256" r:id="rId2"/>
+    <p:sldId id="257" r:id="rId3"/>
+    <p:sldId id="258" r:id="rId4"/>
+    <p:sldId id="259" r:id="rId5"/>
   </p:sldIdLst>
   <p:sldSz cx="9144000" cy="6858000" type="screen4x3"/>
   <p:notesSz cx="6858000" cy="9144000"/>
@@ -288,7 +291,8 @@
           <a:p>
             <a:fld id="{C2768FEF-7862-4C61-AA1A-FCF5224379A4}" type="datetimeFigureOut">
               <a:rPr lang="en-US" smtClean="0"/>
-              <a:t>17-Oct-19</a:t>
+              <a:pPr/>
+              <a:t>17-10-2019</a:t>
             </a:fld>
             <a:endParaRPr lang="en-US"/>
           </a:p>
@@ -330,6 +334,7 @@
           <a:p>
             <a:fld id="{31BAA09B-C365-4F89-9231-919FB7E9E449}" type="slidenum">
               <a:rPr lang="en-US" smtClean="0"/>
+              <a:pPr/>
               <a:t>‹#›</a:t>
             </a:fld>
             <a:endParaRPr lang="en-US"/>
@@ -453,7 +458,8 @@
           <a:p>
             <a:fld id="{C2768FEF-7862-4C61-AA1A-FCF5224379A4}" type="datetimeFigureOut">
               <a:rPr lang="en-US" smtClean="0"/>
-              <a:t>17-Oct-19</a:t>
+              <a:pPr/>
+              <a:t>17-10-2019</a:t>
             </a:fld>
             <a:endParaRPr lang="en-US"/>
           </a:p>
@@ -495,6 +501,7 @@
           <a:p>
             <a:fld id="{31BAA09B-C365-4F89-9231-919FB7E9E449}" type="slidenum">
               <a:rPr lang="en-US" smtClean="0"/>
+              <a:pPr/>
               <a:t>‹#›</a:t>
             </a:fld>
             <a:endParaRPr lang="en-US"/>
@@ -628,7 +635,8 @@
           <a:p>
             <a:fld id="{C2768FEF-7862-4C61-AA1A-FCF5224379A4}" type="datetimeFigureOut">
               <a:rPr lang="en-US" smtClean="0"/>
-              <a:t>17-Oct-19</a:t>
+              <a:pPr/>
+              <a:t>17-10-2019</a:t>
             </a:fld>
             <a:endParaRPr lang="en-US"/>
           </a:p>
@@ -670,6 +678,7 @@
           <a:p>
             <a:fld id="{31BAA09B-C365-4F89-9231-919FB7E9E449}" type="slidenum">
               <a:rPr lang="en-US" smtClean="0"/>
+              <a:pPr/>
               <a:t>‹#›</a:t>
             </a:fld>
             <a:endParaRPr lang="en-US"/>
@@ -793,7 +802,8 @@
           <a:p>
             <a:fld id="{C2768FEF-7862-4C61-AA1A-FCF5224379A4}" type="datetimeFigureOut">
               <a:rPr lang="en-US" smtClean="0"/>
-              <a:t>17-Oct-19</a:t>
+              <a:pPr/>
+              <a:t>17-10-2019</a:t>
             </a:fld>
             <a:endParaRPr lang="en-US"/>
           </a:p>
@@ -835,6 +845,7 @@
           <a:p>
             <a:fld id="{31BAA09B-C365-4F89-9231-919FB7E9E449}" type="slidenum">
               <a:rPr lang="en-US" smtClean="0"/>
+              <a:pPr/>
               <a:t>‹#›</a:t>
             </a:fld>
             <a:endParaRPr lang="en-US"/>
@@ -1034,7 +1045,8 @@
           <a:p>
             <a:fld id="{C2768FEF-7862-4C61-AA1A-FCF5224379A4}" type="datetimeFigureOut">
               <a:rPr lang="en-US" smtClean="0"/>
-              <a:t>17-Oct-19</a:t>
+              <a:pPr/>
+              <a:t>17-10-2019</a:t>
             </a:fld>
             <a:endParaRPr lang="en-US"/>
           </a:p>
@@ -1076,6 +1088,7 @@
           <a:p>
             <a:fld id="{31BAA09B-C365-4F89-9231-919FB7E9E449}" type="slidenum">
               <a:rPr lang="en-US" smtClean="0"/>
+              <a:pPr/>
               <a:t>‹#›</a:t>
             </a:fld>
             <a:endParaRPr lang="en-US"/>
@@ -1317,7 +1330,8 @@
           <a:p>
             <a:fld id="{C2768FEF-7862-4C61-AA1A-FCF5224379A4}" type="datetimeFigureOut">
               <a:rPr lang="en-US" smtClean="0"/>
-              <a:t>17-Oct-19</a:t>
+              <a:pPr/>
+              <a:t>17-10-2019</a:t>
             </a:fld>
             <a:endParaRPr lang="en-US"/>
           </a:p>
@@ -1359,6 +1373,7 @@
           <a:p>
             <a:fld id="{31BAA09B-C365-4F89-9231-919FB7E9E449}" type="slidenum">
               <a:rPr lang="en-US" smtClean="0"/>
+              <a:pPr/>
               <a:t>‹#›</a:t>
             </a:fld>
             <a:endParaRPr lang="en-US"/>
@@ -1734,7 +1749,8 @@
           <a:p>
             <a:fld id="{C2768FEF-7862-4C61-AA1A-FCF5224379A4}" type="datetimeFigureOut">
               <a:rPr lang="en-US" smtClean="0"/>
-              <a:t>17-Oct-19</a:t>
+              <a:pPr/>
+              <a:t>17-10-2019</a:t>
             </a:fld>
             <a:endParaRPr lang="en-US"/>
           </a:p>
@@ -1776,6 +1792,7 @@
           <a:p>
             <a:fld id="{31BAA09B-C365-4F89-9231-919FB7E9E449}" type="slidenum">
               <a:rPr lang="en-US" smtClean="0"/>
+              <a:pPr/>
               <a:t>‹#›</a:t>
             </a:fld>
             <a:endParaRPr lang="en-US"/>
@@ -1847,7 +1864,8 @@
           <a:p>
             <a:fld id="{C2768FEF-7862-4C61-AA1A-FCF5224379A4}" type="datetimeFigureOut">
               <a:rPr lang="en-US" smtClean="0"/>
-              <a:t>17-Oct-19</a:t>
+              <a:pPr/>
+              <a:t>17-10-2019</a:t>
             </a:fld>
             <a:endParaRPr lang="en-US"/>
           </a:p>
@@ -1889,6 +1907,7 @@
           <a:p>
             <a:fld id="{31BAA09B-C365-4F89-9231-919FB7E9E449}" type="slidenum">
               <a:rPr lang="en-US" smtClean="0"/>
+              <a:pPr/>
               <a:t>‹#›</a:t>
             </a:fld>
             <a:endParaRPr lang="en-US"/>
@@ -1937,7 +1956,8 @@
           <a:p>
             <a:fld id="{C2768FEF-7862-4C61-AA1A-FCF5224379A4}" type="datetimeFigureOut">
               <a:rPr lang="en-US" smtClean="0"/>
-              <a:t>17-Oct-19</a:t>
+              <a:pPr/>
+              <a:t>17-10-2019</a:t>
             </a:fld>
             <a:endParaRPr lang="en-US"/>
           </a:p>
@@ -1979,6 +1999,7 @@
           <a:p>
             <a:fld id="{31BAA09B-C365-4F89-9231-919FB7E9E449}" type="slidenum">
               <a:rPr lang="en-US" smtClean="0"/>
+              <a:pPr/>
               <a:t>‹#›</a:t>
             </a:fld>
             <a:endParaRPr lang="en-US"/>
@@ -2209,7 +2230,8 @@
           <a:p>
             <a:fld id="{C2768FEF-7862-4C61-AA1A-FCF5224379A4}" type="datetimeFigureOut">
               <a:rPr lang="en-US" smtClean="0"/>
-              <a:t>17-Oct-19</a:t>
+              <a:pPr/>
+              <a:t>17-10-2019</a:t>
             </a:fld>
             <a:endParaRPr lang="en-US"/>
           </a:p>
@@ -2251,6 +2273,7 @@
           <a:p>
             <a:fld id="{31BAA09B-C365-4F89-9231-919FB7E9E449}" type="slidenum">
               <a:rPr lang="en-US" smtClean="0"/>
+              <a:pPr/>
               <a:t>‹#›</a:t>
             </a:fld>
             <a:endParaRPr lang="en-US"/>
@@ -2457,7 +2480,8 @@
           <a:p>
             <a:fld id="{C2768FEF-7862-4C61-AA1A-FCF5224379A4}" type="datetimeFigureOut">
               <a:rPr lang="en-US" smtClean="0"/>
-              <a:t>17-Oct-19</a:t>
+              <a:pPr/>
+              <a:t>17-10-2019</a:t>
             </a:fld>
             <a:endParaRPr lang="en-US"/>
           </a:p>
@@ -2499,6 +2523,7 @@
           <a:p>
             <a:fld id="{31BAA09B-C365-4F89-9231-919FB7E9E449}" type="slidenum">
               <a:rPr lang="en-US" smtClean="0"/>
+              <a:pPr/>
               <a:t>‹#›</a:t>
             </a:fld>
             <a:endParaRPr lang="en-US"/>
@@ -2665,7 +2690,8 @@
           <a:p>
             <a:fld id="{C2768FEF-7862-4C61-AA1A-FCF5224379A4}" type="datetimeFigureOut">
               <a:rPr lang="en-US" smtClean="0"/>
-              <a:t>17-Oct-19</a:t>
+              <a:pPr/>
+              <a:t>17-10-2019</a:t>
             </a:fld>
             <a:endParaRPr lang="en-US"/>
           </a:p>
@@ -2743,6 +2769,7 @@
           <a:p>
             <a:fld id="{31BAA09B-C365-4F89-9231-919FB7E9E449}" type="slidenum">
               <a:rPr lang="en-US" smtClean="0"/>
+              <a:pPr/>
               <a:t>‹#›</a:t>
             </a:fld>
             <a:endParaRPr lang="en-US"/>
@@ -4174,6 +4201,1935 @@
 </p:sld>
 </file>
 
+<file path=ppt/slides/slide2.xml><?xml version="1.0" encoding="utf-8"?>
+<p:sld xmlns:a="http://schemas.openxmlformats.org/drawingml/2006/main" xmlns:r="http://schemas.openxmlformats.org/officeDocument/2006/relationships" xmlns:p="http://schemas.openxmlformats.org/presentationml/2006/main">
+  <p:cSld>
+    <p:spTree>
+      <p:nvGrpSpPr>
+        <p:cNvPr id="1" name=""/>
+        <p:cNvGrpSpPr/>
+        <p:nvPr/>
+      </p:nvGrpSpPr>
+      <p:grpSpPr>
+        <a:xfrm>
+          <a:off x="0" y="0"/>
+          <a:ext cx="0" cy="0"/>
+          <a:chOff x="0" y="0"/>
+          <a:chExt cx="0" cy="0"/>
+        </a:xfrm>
+      </p:grpSpPr>
+      <p:sp>
+        <p:nvSpPr>
+          <p:cNvPr id="2" name="Isosceles Triangle 1"/>
+          <p:cNvSpPr/>
+          <p:nvPr/>
+        </p:nvSpPr>
+        <p:spPr>
+          <a:xfrm>
+            <a:off x="152400" y="2895600"/>
+            <a:ext cx="2133600" cy="1600200"/>
+          </a:xfrm>
+          <a:prstGeom prst="triangle">
+            <a:avLst/>
+          </a:prstGeom>
+          <a:noFill/>
+          <a:ln>
+            <a:solidFill>
+              <a:schemeClr val="tx1"/>
+            </a:solidFill>
+          </a:ln>
+        </p:spPr>
+        <p:style>
+          <a:lnRef idx="2">
+            <a:schemeClr val="accent1">
+              <a:shade val="50000"/>
+            </a:schemeClr>
+          </a:lnRef>
+          <a:fillRef idx="1">
+            <a:schemeClr val="accent1"/>
+          </a:fillRef>
+          <a:effectRef idx="0">
+            <a:schemeClr val="accent1"/>
+          </a:effectRef>
+          <a:fontRef idx="minor">
+            <a:schemeClr val="lt1"/>
+          </a:fontRef>
+        </p:style>
+        <p:txBody>
+          <a:bodyPr rtlCol="0" anchor="ctr"/>
+          <a:lstStyle/>
+          <a:p>
+            <a:pPr algn="ctr"/>
+            <a:r>
+              <a:rPr lang="en-US" dirty="0" smtClean="0">
+                <a:solidFill>
+                  <a:schemeClr val="tx1"/>
+                </a:solidFill>
+              </a:rPr>
+              <a:t>On key press</a:t>
+            </a:r>
+            <a:endParaRPr lang="en-US" dirty="0">
+              <a:solidFill>
+                <a:schemeClr val="tx1"/>
+              </a:solidFill>
+            </a:endParaRPr>
+          </a:p>
+        </p:txBody>
+      </p:sp>
+      <p:sp>
+        <p:nvSpPr>
+          <p:cNvPr id="3" name="Rounded Rectangle 2"/>
+          <p:cNvSpPr/>
+          <p:nvPr/>
+        </p:nvSpPr>
+        <p:spPr>
+          <a:xfrm>
+            <a:off x="2590800" y="1066800"/>
+            <a:ext cx="1905000" cy="914400"/>
+          </a:xfrm>
+          <a:prstGeom prst="roundRect">
+            <a:avLst/>
+          </a:prstGeom>
+          <a:noFill/>
+          <a:ln>
+            <a:solidFill>
+              <a:schemeClr val="tx1"/>
+            </a:solidFill>
+          </a:ln>
+        </p:spPr>
+        <p:style>
+          <a:lnRef idx="2">
+            <a:schemeClr val="accent1">
+              <a:shade val="50000"/>
+            </a:schemeClr>
+          </a:lnRef>
+          <a:fillRef idx="1">
+            <a:schemeClr val="accent1"/>
+          </a:fillRef>
+          <a:effectRef idx="0">
+            <a:schemeClr val="accent1"/>
+          </a:effectRef>
+          <a:fontRef idx="minor">
+            <a:schemeClr val="lt1"/>
+          </a:fontRef>
+        </p:style>
+        <p:txBody>
+          <a:bodyPr rtlCol="0" anchor="ctr"/>
+          <a:lstStyle/>
+          <a:p>
+            <a:pPr algn="ctr"/>
+            <a:r>
+              <a:rPr lang="en-US" dirty="0" smtClean="0">
+                <a:solidFill>
+                  <a:schemeClr val="tx1"/>
+                </a:solidFill>
+              </a:rPr>
+              <a:t>Send key code</a:t>
+            </a:r>
+            <a:endParaRPr lang="en-US" dirty="0">
+              <a:solidFill>
+                <a:schemeClr val="tx1"/>
+              </a:solidFill>
+            </a:endParaRPr>
+          </a:p>
+        </p:txBody>
+      </p:sp>
+      <p:sp>
+        <p:nvSpPr>
+          <p:cNvPr id="4" name="Rounded Rectangle 3"/>
+          <p:cNvSpPr/>
+          <p:nvPr/>
+        </p:nvSpPr>
+        <p:spPr>
+          <a:xfrm>
+            <a:off x="3505200" y="3048000"/>
+            <a:ext cx="2286000" cy="1143000"/>
+          </a:xfrm>
+          <a:prstGeom prst="roundRect">
+            <a:avLst/>
+          </a:prstGeom>
+          <a:noFill/>
+          <a:ln>
+            <a:solidFill>
+              <a:schemeClr val="tx1"/>
+            </a:solidFill>
+          </a:ln>
+        </p:spPr>
+        <p:style>
+          <a:lnRef idx="2">
+            <a:schemeClr val="accent1">
+              <a:shade val="50000"/>
+            </a:schemeClr>
+          </a:lnRef>
+          <a:fillRef idx="1">
+            <a:schemeClr val="accent1"/>
+          </a:fillRef>
+          <a:effectRef idx="0">
+            <a:schemeClr val="accent1"/>
+          </a:effectRef>
+          <a:fontRef idx="minor">
+            <a:schemeClr val="lt1"/>
+          </a:fontRef>
+        </p:style>
+        <p:txBody>
+          <a:bodyPr rtlCol="0" anchor="ctr"/>
+          <a:lstStyle/>
+          <a:p>
+            <a:pPr algn="ctr"/>
+            <a:r>
+              <a:rPr lang="en-US" dirty="0" smtClean="0">
+                <a:solidFill>
+                  <a:schemeClr val="tx1"/>
+                </a:solidFill>
+              </a:rPr>
+              <a:t>Data Collection Module</a:t>
+            </a:r>
+            <a:endParaRPr lang="en-US" dirty="0">
+              <a:solidFill>
+                <a:schemeClr val="tx1"/>
+              </a:solidFill>
+            </a:endParaRPr>
+          </a:p>
+        </p:txBody>
+      </p:sp>
+      <p:sp>
+        <p:nvSpPr>
+          <p:cNvPr id="5" name="Flowchart: Magnetic Disk 4"/>
+          <p:cNvSpPr/>
+          <p:nvPr/>
+        </p:nvSpPr>
+        <p:spPr>
+          <a:xfrm>
+            <a:off x="6934200" y="2667000"/>
+            <a:ext cx="1905000" cy="1828800"/>
+          </a:xfrm>
+          <a:prstGeom prst="flowChartMagneticDisk">
+            <a:avLst/>
+          </a:prstGeom>
+          <a:noFill/>
+          <a:ln>
+            <a:solidFill>
+              <a:schemeClr val="tx1"/>
+            </a:solidFill>
+          </a:ln>
+        </p:spPr>
+        <p:style>
+          <a:lnRef idx="2">
+            <a:schemeClr val="accent1">
+              <a:shade val="50000"/>
+            </a:schemeClr>
+          </a:lnRef>
+          <a:fillRef idx="1">
+            <a:schemeClr val="accent1"/>
+          </a:fillRef>
+          <a:effectRef idx="0">
+            <a:schemeClr val="accent1"/>
+          </a:effectRef>
+          <a:fontRef idx="minor">
+            <a:schemeClr val="lt1"/>
+          </a:fontRef>
+        </p:style>
+        <p:txBody>
+          <a:bodyPr rtlCol="0" anchor="ctr"/>
+          <a:lstStyle/>
+          <a:p>
+            <a:pPr algn="ctr"/>
+            <a:r>
+              <a:rPr lang="en-US" dirty="0" smtClean="0">
+                <a:solidFill>
+                  <a:schemeClr val="tx1"/>
+                </a:solidFill>
+              </a:rPr>
+              <a:t>User Move Database</a:t>
+            </a:r>
+            <a:endParaRPr lang="en-US" dirty="0">
+              <a:solidFill>
+                <a:schemeClr val="tx1"/>
+              </a:solidFill>
+            </a:endParaRPr>
+          </a:p>
+        </p:txBody>
+      </p:sp>
+      <p:cxnSp>
+        <p:nvCxnSpPr>
+          <p:cNvPr id="7" name="Straight Arrow Connector 6"/>
+          <p:cNvCxnSpPr>
+            <a:stCxn id="2" idx="5"/>
+            <a:endCxn id="3" idx="2"/>
+          </p:cNvCxnSpPr>
+          <p:nvPr/>
+        </p:nvCxnSpPr>
+        <p:spPr>
+          <a:xfrm flipV="1">
+            <a:off x="1752600" y="1981200"/>
+            <a:ext cx="1790700" cy="1714500"/>
+          </a:xfrm>
+          <a:prstGeom prst="straightConnector1">
+            <a:avLst/>
+          </a:prstGeom>
+          <a:ln>
+            <a:tailEnd type="arrow"/>
+          </a:ln>
+        </p:spPr>
+        <p:style>
+          <a:lnRef idx="2">
+            <a:schemeClr val="dk1"/>
+          </a:lnRef>
+          <a:fillRef idx="0">
+            <a:schemeClr val="dk1"/>
+          </a:fillRef>
+          <a:effectRef idx="1">
+            <a:schemeClr val="dk1"/>
+          </a:effectRef>
+          <a:fontRef idx="minor">
+            <a:schemeClr val="tx1"/>
+          </a:fontRef>
+        </p:style>
+      </p:cxnSp>
+      <p:cxnSp>
+        <p:nvCxnSpPr>
+          <p:cNvPr id="9" name="Straight Arrow Connector 8"/>
+          <p:cNvCxnSpPr>
+            <a:stCxn id="3" idx="2"/>
+            <a:endCxn id="4" idx="0"/>
+          </p:cNvCxnSpPr>
+          <p:nvPr/>
+        </p:nvCxnSpPr>
+        <p:spPr>
+          <a:xfrm rot="16200000" flipH="1">
+            <a:off x="3562350" y="1962150"/>
+            <a:ext cx="1066800" cy="1104900"/>
+          </a:xfrm>
+          <a:prstGeom prst="straightConnector1">
+            <a:avLst/>
+          </a:prstGeom>
+          <a:ln>
+            <a:tailEnd type="arrow"/>
+          </a:ln>
+        </p:spPr>
+        <p:style>
+          <a:lnRef idx="2">
+            <a:schemeClr val="dk1"/>
+          </a:lnRef>
+          <a:fillRef idx="0">
+            <a:schemeClr val="dk1"/>
+          </a:fillRef>
+          <a:effectRef idx="1">
+            <a:schemeClr val="dk1"/>
+          </a:effectRef>
+          <a:fontRef idx="minor">
+            <a:schemeClr val="tx1"/>
+          </a:fontRef>
+        </p:style>
+      </p:cxnSp>
+      <p:cxnSp>
+        <p:nvCxnSpPr>
+          <p:cNvPr id="11" name="Straight Arrow Connector 10"/>
+          <p:cNvCxnSpPr>
+            <a:stCxn id="4" idx="3"/>
+            <a:endCxn id="5" idx="2"/>
+          </p:cNvCxnSpPr>
+          <p:nvPr/>
+        </p:nvCxnSpPr>
+        <p:spPr>
+          <a:xfrm flipV="1">
+            <a:off x="5791200" y="3581400"/>
+            <a:ext cx="1143000" cy="38100"/>
+          </a:xfrm>
+          <a:prstGeom prst="straightConnector1">
+            <a:avLst/>
+          </a:prstGeom>
+          <a:ln>
+            <a:headEnd type="arrow"/>
+            <a:tailEnd type="arrow"/>
+          </a:ln>
+        </p:spPr>
+        <p:style>
+          <a:lnRef idx="2">
+            <a:schemeClr val="dk1"/>
+          </a:lnRef>
+          <a:fillRef idx="0">
+            <a:schemeClr val="dk1"/>
+          </a:fillRef>
+          <a:effectRef idx="1">
+            <a:schemeClr val="dk1"/>
+          </a:effectRef>
+          <a:fontRef idx="minor">
+            <a:schemeClr val="tx1"/>
+          </a:fontRef>
+        </p:style>
+      </p:cxnSp>
+    </p:spTree>
+  </p:cSld>
+  <p:clrMapOvr>
+    <a:masterClrMapping/>
+  </p:clrMapOvr>
+</p:sld>
+</file>
+
+<file path=ppt/slides/slide3.xml><?xml version="1.0" encoding="utf-8"?>
+<p:sld xmlns:a="http://schemas.openxmlformats.org/drawingml/2006/main" xmlns:r="http://schemas.openxmlformats.org/officeDocument/2006/relationships" xmlns:p="http://schemas.openxmlformats.org/presentationml/2006/main">
+  <p:cSld>
+    <p:spTree>
+      <p:nvGrpSpPr>
+        <p:cNvPr id="1" name=""/>
+        <p:cNvGrpSpPr/>
+        <p:nvPr/>
+      </p:nvGrpSpPr>
+      <p:grpSpPr>
+        <a:xfrm>
+          <a:off x="0" y="0"/>
+          <a:ext cx="0" cy="0"/>
+          <a:chOff x="0" y="0"/>
+          <a:chExt cx="0" cy="0"/>
+        </a:xfrm>
+      </p:grpSpPr>
+      <p:sp>
+        <p:nvSpPr>
+          <p:cNvPr id="2" name="Rounded Rectangle 1"/>
+          <p:cNvSpPr/>
+          <p:nvPr/>
+        </p:nvSpPr>
+        <p:spPr>
+          <a:xfrm>
+            <a:off x="1143000" y="4876800"/>
+            <a:ext cx="1905000" cy="1219200"/>
+          </a:xfrm>
+          <a:prstGeom prst="roundRect">
+            <a:avLst/>
+          </a:prstGeom>
+          <a:noFill/>
+          <a:ln>
+            <a:solidFill>
+              <a:schemeClr val="tx1"/>
+            </a:solidFill>
+          </a:ln>
+        </p:spPr>
+        <p:style>
+          <a:lnRef idx="2">
+            <a:schemeClr val="accent1">
+              <a:shade val="50000"/>
+            </a:schemeClr>
+          </a:lnRef>
+          <a:fillRef idx="1">
+            <a:schemeClr val="accent1"/>
+          </a:fillRef>
+          <a:effectRef idx="0">
+            <a:schemeClr val="accent1"/>
+          </a:effectRef>
+          <a:fontRef idx="minor">
+            <a:schemeClr val="lt1"/>
+          </a:fontRef>
+        </p:style>
+        <p:txBody>
+          <a:bodyPr rtlCol="0" anchor="ctr"/>
+          <a:lstStyle/>
+          <a:p>
+            <a:pPr algn="ctr"/>
+            <a:r>
+              <a:rPr lang="en-US" dirty="0" smtClean="0">
+                <a:solidFill>
+                  <a:schemeClr val="tx1"/>
+                </a:solidFill>
+              </a:rPr>
+              <a:t>CLIENT 1</a:t>
+            </a:r>
+            <a:endParaRPr lang="en-US" dirty="0">
+              <a:solidFill>
+                <a:schemeClr val="tx1"/>
+              </a:solidFill>
+            </a:endParaRPr>
+          </a:p>
+        </p:txBody>
+      </p:sp>
+      <p:sp>
+        <p:nvSpPr>
+          <p:cNvPr id="4" name="Isosceles Triangle 3"/>
+          <p:cNvSpPr/>
+          <p:nvPr/>
+        </p:nvSpPr>
+        <p:spPr>
+          <a:xfrm>
+            <a:off x="1143000" y="2819400"/>
+            <a:ext cx="1905000" cy="1524000"/>
+          </a:xfrm>
+          <a:prstGeom prst="triangle">
+            <a:avLst/>
+          </a:prstGeom>
+          <a:noFill/>
+          <a:ln>
+            <a:solidFill>
+              <a:schemeClr val="tx1"/>
+            </a:solidFill>
+          </a:ln>
+        </p:spPr>
+        <p:style>
+          <a:lnRef idx="2">
+            <a:schemeClr val="accent1">
+              <a:shade val="50000"/>
+            </a:schemeClr>
+          </a:lnRef>
+          <a:fillRef idx="1">
+            <a:schemeClr val="accent1"/>
+          </a:fillRef>
+          <a:effectRef idx="0">
+            <a:schemeClr val="accent1"/>
+          </a:effectRef>
+          <a:fontRef idx="minor">
+            <a:schemeClr val="lt1"/>
+          </a:fontRef>
+        </p:style>
+        <p:txBody>
+          <a:bodyPr rtlCol="0" anchor="ctr"/>
+          <a:lstStyle/>
+          <a:p>
+            <a:pPr algn="ctr"/>
+            <a:r>
+              <a:rPr lang="en-US" dirty="0" smtClean="0">
+                <a:solidFill>
+                  <a:schemeClr val="tx1"/>
+                </a:solidFill>
+              </a:rPr>
+              <a:t>On key press</a:t>
+            </a:r>
+            <a:endParaRPr lang="en-US" dirty="0">
+              <a:solidFill>
+                <a:schemeClr val="tx1"/>
+              </a:solidFill>
+            </a:endParaRPr>
+          </a:p>
+        </p:txBody>
+      </p:sp>
+      <p:sp>
+        <p:nvSpPr>
+          <p:cNvPr id="5" name="Isosceles Triangle 4"/>
+          <p:cNvSpPr/>
+          <p:nvPr/>
+        </p:nvSpPr>
+        <p:spPr>
+          <a:xfrm>
+            <a:off x="5943600" y="2743200"/>
+            <a:ext cx="1905000" cy="1524000"/>
+          </a:xfrm>
+          <a:prstGeom prst="triangle">
+            <a:avLst/>
+          </a:prstGeom>
+          <a:noFill/>
+          <a:ln>
+            <a:solidFill>
+              <a:schemeClr val="tx1"/>
+            </a:solidFill>
+          </a:ln>
+        </p:spPr>
+        <p:style>
+          <a:lnRef idx="2">
+            <a:schemeClr val="accent1">
+              <a:shade val="50000"/>
+            </a:schemeClr>
+          </a:lnRef>
+          <a:fillRef idx="1">
+            <a:schemeClr val="accent1"/>
+          </a:fillRef>
+          <a:effectRef idx="0">
+            <a:schemeClr val="accent1"/>
+          </a:effectRef>
+          <a:fontRef idx="minor">
+            <a:schemeClr val="lt1"/>
+          </a:fontRef>
+        </p:style>
+        <p:txBody>
+          <a:bodyPr rtlCol="0" anchor="ctr"/>
+          <a:lstStyle/>
+          <a:p>
+            <a:pPr algn="ctr"/>
+            <a:r>
+              <a:rPr lang="en-US" dirty="0" smtClean="0">
+                <a:solidFill>
+                  <a:schemeClr val="tx1"/>
+                </a:solidFill>
+              </a:rPr>
+              <a:t>On key press</a:t>
+            </a:r>
+            <a:endParaRPr lang="en-US" dirty="0">
+              <a:solidFill>
+                <a:schemeClr val="tx1"/>
+              </a:solidFill>
+            </a:endParaRPr>
+          </a:p>
+        </p:txBody>
+      </p:sp>
+      <p:sp>
+        <p:nvSpPr>
+          <p:cNvPr id="6" name="Rounded Rectangle 5"/>
+          <p:cNvSpPr/>
+          <p:nvPr/>
+        </p:nvSpPr>
+        <p:spPr>
+          <a:xfrm>
+            <a:off x="5943600" y="4876800"/>
+            <a:ext cx="1905000" cy="1219200"/>
+          </a:xfrm>
+          <a:prstGeom prst="roundRect">
+            <a:avLst/>
+          </a:prstGeom>
+          <a:noFill/>
+          <a:ln>
+            <a:solidFill>
+              <a:schemeClr val="tx1"/>
+            </a:solidFill>
+          </a:ln>
+        </p:spPr>
+        <p:style>
+          <a:lnRef idx="2">
+            <a:schemeClr val="accent1">
+              <a:shade val="50000"/>
+            </a:schemeClr>
+          </a:lnRef>
+          <a:fillRef idx="1">
+            <a:schemeClr val="accent1"/>
+          </a:fillRef>
+          <a:effectRef idx="0">
+            <a:schemeClr val="accent1"/>
+          </a:effectRef>
+          <a:fontRef idx="minor">
+            <a:schemeClr val="lt1"/>
+          </a:fontRef>
+        </p:style>
+        <p:txBody>
+          <a:bodyPr rtlCol="0" anchor="ctr"/>
+          <a:lstStyle/>
+          <a:p>
+            <a:pPr algn="ctr"/>
+            <a:r>
+              <a:rPr lang="en-US" dirty="0" smtClean="0">
+                <a:solidFill>
+                  <a:schemeClr val="tx1"/>
+                </a:solidFill>
+              </a:rPr>
+              <a:t>CLIENT 2</a:t>
+            </a:r>
+            <a:endParaRPr lang="en-US" dirty="0">
+              <a:solidFill>
+                <a:schemeClr val="tx1"/>
+              </a:solidFill>
+            </a:endParaRPr>
+          </a:p>
+        </p:txBody>
+      </p:sp>
+      <p:sp>
+        <p:nvSpPr>
+          <p:cNvPr id="7" name="Rounded Rectangle 6"/>
+          <p:cNvSpPr/>
+          <p:nvPr/>
+        </p:nvSpPr>
+        <p:spPr>
+          <a:xfrm>
+            <a:off x="457200" y="152400"/>
+            <a:ext cx="8229600" cy="2286000"/>
+          </a:xfrm>
+          <a:prstGeom prst="roundRect">
+            <a:avLst/>
+          </a:prstGeom>
+          <a:noFill/>
+          <a:ln>
+            <a:solidFill>
+              <a:schemeClr val="tx1"/>
+            </a:solidFill>
+          </a:ln>
+        </p:spPr>
+        <p:style>
+          <a:lnRef idx="2">
+            <a:schemeClr val="accent1">
+              <a:shade val="50000"/>
+            </a:schemeClr>
+          </a:lnRef>
+          <a:fillRef idx="1">
+            <a:schemeClr val="accent1"/>
+          </a:fillRef>
+          <a:effectRef idx="0">
+            <a:schemeClr val="accent1"/>
+          </a:effectRef>
+          <a:fontRef idx="minor">
+            <a:schemeClr val="lt1"/>
+          </a:fontRef>
+        </p:style>
+        <p:txBody>
+          <a:bodyPr rtlCol="0" anchor="ctr"/>
+          <a:lstStyle/>
+          <a:p>
+            <a:pPr algn="ctr"/>
+            <a:endParaRPr lang="en-US" dirty="0">
+              <a:solidFill>
+                <a:schemeClr val="tx1"/>
+              </a:solidFill>
+            </a:endParaRPr>
+          </a:p>
+        </p:txBody>
+      </p:sp>
+      <p:sp>
+        <p:nvSpPr>
+          <p:cNvPr id="8" name="Down Arrow 7"/>
+          <p:cNvSpPr/>
+          <p:nvPr/>
+        </p:nvSpPr>
+        <p:spPr>
+          <a:xfrm>
+            <a:off x="3886200" y="2514600"/>
+            <a:ext cx="990600" cy="4114800"/>
+          </a:xfrm>
+          <a:prstGeom prst="downArrow">
+            <a:avLst/>
+          </a:prstGeom>
+          <a:noFill/>
+          <a:ln>
+            <a:solidFill>
+              <a:schemeClr val="tx1"/>
+            </a:solidFill>
+          </a:ln>
+        </p:spPr>
+        <p:style>
+          <a:lnRef idx="2">
+            <a:schemeClr val="accent1">
+              <a:shade val="50000"/>
+            </a:schemeClr>
+          </a:lnRef>
+          <a:fillRef idx="1">
+            <a:schemeClr val="accent1"/>
+          </a:fillRef>
+          <a:effectRef idx="0">
+            <a:schemeClr val="accent1"/>
+          </a:effectRef>
+          <a:fontRef idx="minor">
+            <a:schemeClr val="lt1"/>
+          </a:fontRef>
+        </p:style>
+        <p:txBody>
+          <a:bodyPr rtlCol="0" anchor="ctr"/>
+          <a:lstStyle/>
+          <a:p>
+            <a:pPr algn="ctr"/>
+            <a:endParaRPr lang="en-US"/>
+          </a:p>
+        </p:txBody>
+      </p:sp>
+      <p:sp>
+        <p:nvSpPr>
+          <p:cNvPr id="9" name="Diamond 8"/>
+          <p:cNvSpPr/>
+          <p:nvPr/>
+        </p:nvSpPr>
+        <p:spPr>
+          <a:xfrm>
+            <a:off x="2819400" y="609600"/>
+            <a:ext cx="3200400" cy="1752600"/>
+          </a:xfrm>
+          <a:prstGeom prst="diamond">
+            <a:avLst/>
+          </a:prstGeom>
+          <a:noFill/>
+          <a:ln>
+            <a:solidFill>
+              <a:schemeClr val="tx1"/>
+            </a:solidFill>
+          </a:ln>
+        </p:spPr>
+        <p:style>
+          <a:lnRef idx="2">
+            <a:schemeClr val="accent1">
+              <a:shade val="50000"/>
+            </a:schemeClr>
+          </a:lnRef>
+          <a:fillRef idx="1">
+            <a:schemeClr val="accent1"/>
+          </a:fillRef>
+          <a:effectRef idx="0">
+            <a:schemeClr val="accent1"/>
+          </a:effectRef>
+          <a:fontRef idx="minor">
+            <a:schemeClr val="lt1"/>
+          </a:fontRef>
+        </p:style>
+        <p:txBody>
+          <a:bodyPr rtlCol="0" anchor="ctr"/>
+          <a:lstStyle/>
+          <a:p>
+            <a:pPr algn="ctr"/>
+            <a:r>
+              <a:rPr lang="en-US" dirty="0" smtClean="0">
+                <a:solidFill>
+                  <a:schemeClr val="tx1"/>
+                </a:solidFill>
+              </a:rPr>
+              <a:t>INSTANCE OF GAMEBOARD</a:t>
+            </a:r>
+            <a:endParaRPr lang="en-US" dirty="0">
+              <a:solidFill>
+                <a:schemeClr val="tx1"/>
+              </a:solidFill>
+            </a:endParaRPr>
+          </a:p>
+        </p:txBody>
+      </p:sp>
+      <p:sp>
+        <p:nvSpPr>
+          <p:cNvPr id="10" name="TextBox 9"/>
+          <p:cNvSpPr txBox="1"/>
+          <p:nvPr/>
+        </p:nvSpPr>
+        <p:spPr>
+          <a:xfrm>
+            <a:off x="1752600" y="228600"/>
+            <a:ext cx="5486400" cy="369332"/>
+          </a:xfrm>
+          <a:prstGeom prst="rect">
+            <a:avLst/>
+          </a:prstGeom>
+          <a:noFill/>
+        </p:spPr>
+        <p:txBody>
+          <a:bodyPr wrap="square" rtlCol="0">
+            <a:spAutoFit/>
+          </a:bodyPr>
+          <a:lstStyle/>
+          <a:p>
+            <a:pPr algn="ctr"/>
+            <a:r>
+              <a:rPr lang="en-US" dirty="0" smtClean="0"/>
+              <a:t>GAMEBOARD TELLER</a:t>
+            </a:r>
+            <a:endParaRPr lang="en-US" dirty="0"/>
+          </a:p>
+        </p:txBody>
+      </p:sp>
+      <p:cxnSp>
+        <p:nvCxnSpPr>
+          <p:cNvPr id="12" name="Straight Arrow Connector 11"/>
+          <p:cNvCxnSpPr>
+            <a:stCxn id="2" idx="0"/>
+            <a:endCxn id="4" idx="3"/>
+          </p:cNvCxnSpPr>
+          <p:nvPr/>
+        </p:nvCxnSpPr>
+        <p:spPr>
+          <a:xfrm rot="5400000" flipH="1" flipV="1">
+            <a:off x="1828800" y="4610100"/>
+            <a:ext cx="533400" cy="1588"/>
+          </a:xfrm>
+          <a:prstGeom prst="straightConnector1">
+            <a:avLst/>
+          </a:prstGeom>
+          <a:ln>
+            <a:tailEnd type="arrow"/>
+          </a:ln>
+        </p:spPr>
+        <p:style>
+          <a:lnRef idx="2">
+            <a:schemeClr val="dk1"/>
+          </a:lnRef>
+          <a:fillRef idx="0">
+            <a:schemeClr val="dk1"/>
+          </a:fillRef>
+          <a:effectRef idx="1">
+            <a:schemeClr val="dk1"/>
+          </a:effectRef>
+          <a:fontRef idx="minor">
+            <a:schemeClr val="tx1"/>
+          </a:fontRef>
+        </p:style>
+      </p:cxnSp>
+      <p:cxnSp>
+        <p:nvCxnSpPr>
+          <p:cNvPr id="14" name="Straight Arrow Connector 13"/>
+          <p:cNvCxnSpPr>
+            <a:stCxn id="6" idx="0"/>
+            <a:endCxn id="5" idx="3"/>
+          </p:cNvCxnSpPr>
+          <p:nvPr/>
+        </p:nvCxnSpPr>
+        <p:spPr>
+          <a:xfrm rot="5400000" flipH="1" flipV="1">
+            <a:off x="6591300" y="4572000"/>
+            <a:ext cx="609600" cy="1588"/>
+          </a:xfrm>
+          <a:prstGeom prst="straightConnector1">
+            <a:avLst/>
+          </a:prstGeom>
+          <a:ln>
+            <a:tailEnd type="arrow"/>
+          </a:ln>
+        </p:spPr>
+        <p:style>
+          <a:lnRef idx="2">
+            <a:schemeClr val="dk1"/>
+          </a:lnRef>
+          <a:fillRef idx="0">
+            <a:schemeClr val="dk1"/>
+          </a:fillRef>
+          <a:effectRef idx="1">
+            <a:schemeClr val="dk1"/>
+          </a:effectRef>
+          <a:fontRef idx="minor">
+            <a:schemeClr val="tx1"/>
+          </a:fontRef>
+        </p:style>
+      </p:cxnSp>
+      <p:cxnSp>
+        <p:nvCxnSpPr>
+          <p:cNvPr id="16" name="Straight Arrow Connector 15"/>
+          <p:cNvCxnSpPr>
+            <a:stCxn id="4" idx="0"/>
+            <a:endCxn id="9" idx="1"/>
+          </p:cNvCxnSpPr>
+          <p:nvPr/>
+        </p:nvCxnSpPr>
+        <p:spPr>
+          <a:xfrm rot="5400000" flipH="1" flipV="1">
+            <a:off x="1790700" y="1790700"/>
+            <a:ext cx="1333500" cy="723900"/>
+          </a:xfrm>
+          <a:prstGeom prst="straightConnector1">
+            <a:avLst/>
+          </a:prstGeom>
+          <a:ln>
+            <a:tailEnd type="arrow"/>
+          </a:ln>
+        </p:spPr>
+        <p:style>
+          <a:lnRef idx="2">
+            <a:schemeClr val="dk1"/>
+          </a:lnRef>
+          <a:fillRef idx="0">
+            <a:schemeClr val="dk1"/>
+          </a:fillRef>
+          <a:effectRef idx="1">
+            <a:schemeClr val="dk1"/>
+          </a:effectRef>
+          <a:fontRef idx="minor">
+            <a:schemeClr val="tx1"/>
+          </a:fontRef>
+        </p:style>
+      </p:cxnSp>
+      <p:cxnSp>
+        <p:nvCxnSpPr>
+          <p:cNvPr id="18" name="Straight Arrow Connector 17"/>
+          <p:cNvCxnSpPr>
+            <a:stCxn id="5" idx="0"/>
+            <a:endCxn id="9" idx="3"/>
+          </p:cNvCxnSpPr>
+          <p:nvPr/>
+        </p:nvCxnSpPr>
+        <p:spPr>
+          <a:xfrm rot="16200000" flipV="1">
+            <a:off x="5829300" y="1676400"/>
+            <a:ext cx="1257300" cy="876300"/>
+          </a:xfrm>
+          <a:prstGeom prst="straightConnector1">
+            <a:avLst/>
+          </a:prstGeom>
+          <a:ln>
+            <a:tailEnd type="arrow"/>
+          </a:ln>
+        </p:spPr>
+        <p:style>
+          <a:lnRef idx="2">
+            <a:schemeClr val="dk1"/>
+          </a:lnRef>
+          <a:fillRef idx="0">
+            <a:schemeClr val="dk1"/>
+          </a:fillRef>
+          <a:effectRef idx="1">
+            <a:schemeClr val="dk1"/>
+          </a:effectRef>
+          <a:fontRef idx="minor">
+            <a:schemeClr val="tx1"/>
+          </a:fontRef>
+        </p:style>
+      </p:cxnSp>
+      <p:cxnSp>
+        <p:nvCxnSpPr>
+          <p:cNvPr id="21" name="Straight Arrow Connector 20"/>
+          <p:cNvCxnSpPr>
+            <a:endCxn id="2" idx="3"/>
+          </p:cNvCxnSpPr>
+          <p:nvPr/>
+        </p:nvCxnSpPr>
+        <p:spPr>
+          <a:xfrm rot="10800000">
+            <a:off x="3048000" y="5486400"/>
+            <a:ext cx="1066800" cy="1588"/>
+          </a:xfrm>
+          <a:prstGeom prst="straightConnector1">
+            <a:avLst/>
+          </a:prstGeom>
+          <a:ln>
+            <a:tailEnd type="arrow"/>
+          </a:ln>
+        </p:spPr>
+        <p:style>
+          <a:lnRef idx="2">
+            <a:schemeClr val="dk1"/>
+          </a:lnRef>
+          <a:fillRef idx="0">
+            <a:schemeClr val="dk1"/>
+          </a:fillRef>
+          <a:effectRef idx="1">
+            <a:schemeClr val="dk1"/>
+          </a:effectRef>
+          <a:fontRef idx="minor">
+            <a:schemeClr val="tx1"/>
+          </a:fontRef>
+        </p:style>
+      </p:cxnSp>
+      <p:cxnSp>
+        <p:nvCxnSpPr>
+          <p:cNvPr id="25" name="Straight Arrow Connector 24"/>
+          <p:cNvCxnSpPr>
+            <a:endCxn id="6" idx="1"/>
+          </p:cNvCxnSpPr>
+          <p:nvPr/>
+        </p:nvCxnSpPr>
+        <p:spPr>
+          <a:xfrm>
+            <a:off x="4648200" y="5486400"/>
+            <a:ext cx="1295400" cy="1588"/>
+          </a:xfrm>
+          <a:prstGeom prst="straightConnector1">
+            <a:avLst/>
+          </a:prstGeom>
+          <a:ln>
+            <a:tailEnd type="arrow"/>
+          </a:ln>
+        </p:spPr>
+        <p:style>
+          <a:lnRef idx="2">
+            <a:schemeClr val="dk1"/>
+          </a:lnRef>
+          <a:fillRef idx="0">
+            <a:schemeClr val="dk1"/>
+          </a:fillRef>
+          <a:effectRef idx="1">
+            <a:schemeClr val="dk1"/>
+          </a:effectRef>
+          <a:fontRef idx="minor">
+            <a:schemeClr val="tx1"/>
+          </a:fontRef>
+        </p:style>
+      </p:cxnSp>
+      <p:sp>
+        <p:nvSpPr>
+          <p:cNvPr id="29" name="TextBox 28"/>
+          <p:cNvSpPr txBox="1"/>
+          <p:nvPr/>
+        </p:nvSpPr>
+        <p:spPr>
+          <a:xfrm>
+            <a:off x="4191000" y="2667000"/>
+            <a:ext cx="381000" cy="3139321"/>
+          </a:xfrm>
+          <a:prstGeom prst="rect">
+            <a:avLst/>
+          </a:prstGeom>
+          <a:noFill/>
+        </p:spPr>
+        <p:txBody>
+          <a:bodyPr wrap="square" rtlCol="0">
+            <a:spAutoFit/>
+          </a:bodyPr>
+          <a:lstStyle/>
+          <a:p>
+            <a:r>
+              <a:rPr lang="en-US" dirty="0" smtClean="0"/>
+              <a:t>D</a:t>
+            </a:r>
+          </a:p>
+          <a:p>
+            <a:r>
+              <a:rPr lang="en-US" dirty="0" smtClean="0"/>
+              <a:t>A</a:t>
+            </a:r>
+          </a:p>
+          <a:p>
+            <a:r>
+              <a:rPr lang="en-US" dirty="0" smtClean="0"/>
+              <a:t>T</a:t>
+            </a:r>
+          </a:p>
+          <a:p>
+            <a:r>
+              <a:rPr lang="en-US" dirty="0" smtClean="0"/>
+              <a:t>A</a:t>
+            </a:r>
+          </a:p>
+          <a:p>
+            <a:endParaRPr lang="en-US" dirty="0" smtClean="0"/>
+          </a:p>
+          <a:p>
+            <a:r>
+              <a:rPr lang="en-US" dirty="0" smtClean="0"/>
+              <a:t>S</a:t>
+            </a:r>
+          </a:p>
+          <a:p>
+            <a:r>
+              <a:rPr lang="en-US" dirty="0" smtClean="0"/>
+              <a:t>T</a:t>
+            </a:r>
+          </a:p>
+          <a:p>
+            <a:r>
+              <a:rPr lang="en-US" dirty="0" smtClean="0"/>
+              <a:t>R</a:t>
+            </a:r>
+          </a:p>
+          <a:p>
+            <a:r>
+              <a:rPr lang="en-US" dirty="0" smtClean="0"/>
+              <a:t>E</a:t>
+            </a:r>
+          </a:p>
+          <a:p>
+            <a:r>
+              <a:rPr lang="en-US" dirty="0" smtClean="0"/>
+              <a:t>A</a:t>
+            </a:r>
+          </a:p>
+          <a:p>
+            <a:r>
+              <a:rPr lang="en-US" dirty="0" smtClean="0"/>
+              <a:t>M</a:t>
+            </a:r>
+            <a:endParaRPr lang="en-US" dirty="0"/>
+          </a:p>
+        </p:txBody>
+      </p:sp>
+    </p:spTree>
+  </p:cSld>
+  <p:clrMapOvr>
+    <a:masterClrMapping/>
+  </p:clrMapOvr>
+</p:sld>
+</file>
+
+<file path=ppt/slides/slide4.xml><?xml version="1.0" encoding="utf-8"?>
+<p:sld xmlns:a="http://schemas.openxmlformats.org/drawingml/2006/main" xmlns:r="http://schemas.openxmlformats.org/officeDocument/2006/relationships" xmlns:p="http://schemas.openxmlformats.org/presentationml/2006/main">
+  <p:cSld>
+    <p:spTree>
+      <p:nvGrpSpPr>
+        <p:cNvPr id="1" name=""/>
+        <p:cNvGrpSpPr/>
+        <p:nvPr/>
+      </p:nvGrpSpPr>
+      <p:grpSpPr>
+        <a:xfrm>
+          <a:off x="0" y="0"/>
+          <a:ext cx="0" cy="0"/>
+          <a:chOff x="0" y="0"/>
+          <a:chExt cx="0" cy="0"/>
+        </a:xfrm>
+      </p:grpSpPr>
+      <p:sp>
+        <p:nvSpPr>
+          <p:cNvPr id="2" name="Rounded Rectangle 1"/>
+          <p:cNvSpPr/>
+          <p:nvPr/>
+        </p:nvSpPr>
+        <p:spPr>
+          <a:xfrm>
+            <a:off x="277828" y="4267200"/>
+            <a:ext cx="3581400" cy="2362200"/>
+          </a:xfrm>
+          <a:prstGeom prst="roundRect">
+            <a:avLst/>
+          </a:prstGeom>
+          <a:noFill/>
+          <a:ln>
+            <a:solidFill>
+              <a:schemeClr val="tx1"/>
+            </a:solidFill>
+          </a:ln>
+        </p:spPr>
+        <p:style>
+          <a:lnRef idx="2">
+            <a:schemeClr val="accent1">
+              <a:shade val="50000"/>
+            </a:schemeClr>
+          </a:lnRef>
+          <a:fillRef idx="1">
+            <a:schemeClr val="accent1"/>
+          </a:fillRef>
+          <a:effectRef idx="0">
+            <a:schemeClr val="accent1"/>
+          </a:effectRef>
+          <a:fontRef idx="minor">
+            <a:schemeClr val="lt1"/>
+          </a:fontRef>
+        </p:style>
+        <p:txBody>
+          <a:bodyPr rtlCol="0" anchor="ctr"/>
+          <a:lstStyle/>
+          <a:p>
+            <a:pPr algn="ctr"/>
+            <a:endParaRPr lang="en-US"/>
+          </a:p>
+        </p:txBody>
+      </p:sp>
+      <p:sp>
+        <p:nvSpPr>
+          <p:cNvPr id="3" name="Diamond 2"/>
+          <p:cNvSpPr/>
+          <p:nvPr/>
+        </p:nvSpPr>
+        <p:spPr>
+          <a:xfrm>
+            <a:off x="582628" y="5105400"/>
+            <a:ext cx="2971800" cy="1524000"/>
+          </a:xfrm>
+          <a:prstGeom prst="diamond">
+            <a:avLst/>
+          </a:prstGeom>
+          <a:noFill/>
+          <a:ln>
+            <a:solidFill>
+              <a:schemeClr val="tx1"/>
+            </a:solidFill>
+          </a:ln>
+        </p:spPr>
+        <p:style>
+          <a:lnRef idx="2">
+            <a:schemeClr val="accent1">
+              <a:shade val="50000"/>
+            </a:schemeClr>
+          </a:lnRef>
+          <a:fillRef idx="1">
+            <a:schemeClr val="accent1"/>
+          </a:fillRef>
+          <a:effectRef idx="0">
+            <a:schemeClr val="accent1"/>
+          </a:effectRef>
+          <a:fontRef idx="minor">
+            <a:schemeClr val="lt1"/>
+          </a:fontRef>
+        </p:style>
+        <p:txBody>
+          <a:bodyPr rtlCol="0" anchor="ctr"/>
+          <a:lstStyle/>
+          <a:p>
+            <a:pPr algn="ctr"/>
+            <a:r>
+              <a:rPr lang="en-US" dirty="0" smtClean="0">
+                <a:solidFill>
+                  <a:schemeClr val="tx1"/>
+                </a:solidFill>
+              </a:rPr>
+              <a:t>INSTANCE OF GAMEBOARD</a:t>
+            </a:r>
+            <a:endParaRPr lang="en-US" dirty="0">
+              <a:solidFill>
+                <a:schemeClr val="tx1"/>
+              </a:solidFill>
+            </a:endParaRPr>
+          </a:p>
+        </p:txBody>
+      </p:sp>
+      <p:sp>
+        <p:nvSpPr>
+          <p:cNvPr id="4" name="TextBox 3"/>
+          <p:cNvSpPr txBox="1"/>
+          <p:nvPr/>
+        </p:nvSpPr>
+        <p:spPr>
+          <a:xfrm>
+            <a:off x="582628" y="4495800"/>
+            <a:ext cx="2971800" cy="369332"/>
+          </a:xfrm>
+          <a:prstGeom prst="rect">
+            <a:avLst/>
+          </a:prstGeom>
+          <a:noFill/>
+        </p:spPr>
+        <p:txBody>
+          <a:bodyPr wrap="square" rtlCol="0">
+            <a:spAutoFit/>
+          </a:bodyPr>
+          <a:lstStyle/>
+          <a:p>
+            <a:pPr algn="ctr"/>
+            <a:r>
+              <a:rPr lang="en-US" dirty="0" smtClean="0"/>
+              <a:t>CLIENT 1</a:t>
+            </a:r>
+            <a:endParaRPr lang="en-US" dirty="0"/>
+          </a:p>
+        </p:txBody>
+      </p:sp>
+      <p:sp>
+        <p:nvSpPr>
+          <p:cNvPr id="5" name="Rounded Rectangle 4"/>
+          <p:cNvSpPr/>
+          <p:nvPr/>
+        </p:nvSpPr>
+        <p:spPr>
+          <a:xfrm>
+            <a:off x="5311824" y="4236716"/>
+            <a:ext cx="3581400" cy="2362200"/>
+          </a:xfrm>
+          <a:prstGeom prst="roundRect">
+            <a:avLst/>
+          </a:prstGeom>
+          <a:noFill/>
+          <a:ln>
+            <a:solidFill>
+              <a:schemeClr val="tx1"/>
+            </a:solidFill>
+          </a:ln>
+        </p:spPr>
+        <p:style>
+          <a:lnRef idx="2">
+            <a:schemeClr val="accent1">
+              <a:shade val="50000"/>
+            </a:schemeClr>
+          </a:lnRef>
+          <a:fillRef idx="1">
+            <a:schemeClr val="accent1"/>
+          </a:fillRef>
+          <a:effectRef idx="0">
+            <a:schemeClr val="accent1"/>
+          </a:effectRef>
+          <a:fontRef idx="minor">
+            <a:schemeClr val="lt1"/>
+          </a:fontRef>
+        </p:style>
+        <p:txBody>
+          <a:bodyPr rtlCol="0" anchor="ctr"/>
+          <a:lstStyle/>
+          <a:p>
+            <a:pPr algn="ctr"/>
+            <a:endParaRPr lang="en-US"/>
+          </a:p>
+        </p:txBody>
+      </p:sp>
+      <p:sp>
+        <p:nvSpPr>
+          <p:cNvPr id="6" name="Diamond 5"/>
+          <p:cNvSpPr/>
+          <p:nvPr/>
+        </p:nvSpPr>
+        <p:spPr>
+          <a:xfrm>
+            <a:off x="5616624" y="5074916"/>
+            <a:ext cx="2971800" cy="1524000"/>
+          </a:xfrm>
+          <a:prstGeom prst="diamond">
+            <a:avLst/>
+          </a:prstGeom>
+          <a:noFill/>
+          <a:ln>
+            <a:solidFill>
+              <a:schemeClr val="tx1"/>
+            </a:solidFill>
+          </a:ln>
+        </p:spPr>
+        <p:style>
+          <a:lnRef idx="2">
+            <a:schemeClr val="accent1">
+              <a:shade val="50000"/>
+            </a:schemeClr>
+          </a:lnRef>
+          <a:fillRef idx="1">
+            <a:schemeClr val="accent1"/>
+          </a:fillRef>
+          <a:effectRef idx="0">
+            <a:schemeClr val="accent1"/>
+          </a:effectRef>
+          <a:fontRef idx="minor">
+            <a:schemeClr val="lt1"/>
+          </a:fontRef>
+        </p:style>
+        <p:txBody>
+          <a:bodyPr rtlCol="0" anchor="ctr"/>
+          <a:lstStyle/>
+          <a:p>
+            <a:pPr algn="ctr"/>
+            <a:r>
+              <a:rPr lang="en-US" dirty="0" smtClean="0">
+                <a:solidFill>
+                  <a:schemeClr val="tx1"/>
+                </a:solidFill>
+              </a:rPr>
+              <a:t>INSTANCE OF GAMEBOARD</a:t>
+            </a:r>
+            <a:endParaRPr lang="en-US" dirty="0">
+              <a:solidFill>
+                <a:schemeClr val="tx1"/>
+              </a:solidFill>
+            </a:endParaRPr>
+          </a:p>
+        </p:txBody>
+      </p:sp>
+      <p:sp>
+        <p:nvSpPr>
+          <p:cNvPr id="7" name="TextBox 6"/>
+          <p:cNvSpPr txBox="1"/>
+          <p:nvPr/>
+        </p:nvSpPr>
+        <p:spPr>
+          <a:xfrm>
+            <a:off x="5616624" y="4465316"/>
+            <a:ext cx="2971800" cy="369332"/>
+          </a:xfrm>
+          <a:prstGeom prst="rect">
+            <a:avLst/>
+          </a:prstGeom>
+          <a:noFill/>
+        </p:spPr>
+        <p:txBody>
+          <a:bodyPr wrap="square" rtlCol="0">
+            <a:spAutoFit/>
+          </a:bodyPr>
+          <a:lstStyle/>
+          <a:p>
+            <a:pPr algn="ctr"/>
+            <a:r>
+              <a:rPr lang="en-US" dirty="0" smtClean="0"/>
+              <a:t>CLIENT 2</a:t>
+            </a:r>
+            <a:endParaRPr lang="en-US" dirty="0"/>
+          </a:p>
+        </p:txBody>
+      </p:sp>
+      <p:sp>
+        <p:nvSpPr>
+          <p:cNvPr id="8" name="Isosceles Triangle 7"/>
+          <p:cNvSpPr/>
+          <p:nvPr/>
+        </p:nvSpPr>
+        <p:spPr>
+          <a:xfrm>
+            <a:off x="1066800" y="1981200"/>
+            <a:ext cx="2057400" cy="1752600"/>
+          </a:xfrm>
+          <a:prstGeom prst="triangle">
+            <a:avLst/>
+          </a:prstGeom>
+          <a:noFill/>
+          <a:ln>
+            <a:solidFill>
+              <a:schemeClr val="tx1"/>
+            </a:solidFill>
+          </a:ln>
+        </p:spPr>
+        <p:style>
+          <a:lnRef idx="2">
+            <a:schemeClr val="accent1">
+              <a:shade val="50000"/>
+            </a:schemeClr>
+          </a:lnRef>
+          <a:fillRef idx="1">
+            <a:schemeClr val="accent1"/>
+          </a:fillRef>
+          <a:effectRef idx="0">
+            <a:schemeClr val="accent1"/>
+          </a:effectRef>
+          <a:fontRef idx="minor">
+            <a:schemeClr val="lt1"/>
+          </a:fontRef>
+        </p:style>
+        <p:txBody>
+          <a:bodyPr rtlCol="0" anchor="ctr"/>
+          <a:lstStyle/>
+          <a:p>
+            <a:pPr algn="ctr"/>
+            <a:r>
+              <a:rPr lang="en-US" dirty="0" smtClean="0">
+                <a:solidFill>
+                  <a:schemeClr val="tx1"/>
+                </a:solidFill>
+              </a:rPr>
+              <a:t>ON KEY PRESS</a:t>
+            </a:r>
+            <a:endParaRPr lang="en-US" dirty="0">
+              <a:solidFill>
+                <a:schemeClr val="tx1"/>
+              </a:solidFill>
+            </a:endParaRPr>
+          </a:p>
+        </p:txBody>
+      </p:sp>
+      <p:sp>
+        <p:nvSpPr>
+          <p:cNvPr id="9" name="Isosceles Triangle 8"/>
+          <p:cNvSpPr/>
+          <p:nvPr/>
+        </p:nvSpPr>
+        <p:spPr>
+          <a:xfrm>
+            <a:off x="6096000" y="1905000"/>
+            <a:ext cx="2057400" cy="1752600"/>
+          </a:xfrm>
+          <a:prstGeom prst="triangle">
+            <a:avLst/>
+          </a:prstGeom>
+          <a:noFill/>
+          <a:ln>
+            <a:solidFill>
+              <a:schemeClr val="tx1"/>
+            </a:solidFill>
+          </a:ln>
+        </p:spPr>
+        <p:style>
+          <a:lnRef idx="2">
+            <a:schemeClr val="accent1">
+              <a:shade val="50000"/>
+            </a:schemeClr>
+          </a:lnRef>
+          <a:fillRef idx="1">
+            <a:schemeClr val="accent1"/>
+          </a:fillRef>
+          <a:effectRef idx="0">
+            <a:schemeClr val="accent1"/>
+          </a:effectRef>
+          <a:fontRef idx="minor">
+            <a:schemeClr val="lt1"/>
+          </a:fontRef>
+        </p:style>
+        <p:txBody>
+          <a:bodyPr rtlCol="0" anchor="ctr"/>
+          <a:lstStyle/>
+          <a:p>
+            <a:pPr algn="ctr"/>
+            <a:r>
+              <a:rPr lang="en-US" dirty="0" smtClean="0">
+                <a:solidFill>
+                  <a:schemeClr val="tx1"/>
+                </a:solidFill>
+              </a:rPr>
+              <a:t>ON KEY PRESS</a:t>
+            </a:r>
+            <a:endParaRPr lang="en-US" dirty="0">
+              <a:solidFill>
+                <a:schemeClr val="tx1"/>
+              </a:solidFill>
+            </a:endParaRPr>
+          </a:p>
+        </p:txBody>
+      </p:sp>
+      <p:sp>
+        <p:nvSpPr>
+          <p:cNvPr id="10" name="Rounded Rectangle 9"/>
+          <p:cNvSpPr/>
+          <p:nvPr/>
+        </p:nvSpPr>
+        <p:spPr>
+          <a:xfrm>
+            <a:off x="2133600" y="228600"/>
+            <a:ext cx="4648200" cy="1371600"/>
+          </a:xfrm>
+          <a:prstGeom prst="roundRect">
+            <a:avLst/>
+          </a:prstGeom>
+          <a:noFill/>
+          <a:ln>
+            <a:solidFill>
+              <a:schemeClr val="tx1"/>
+            </a:solidFill>
+          </a:ln>
+        </p:spPr>
+        <p:style>
+          <a:lnRef idx="2">
+            <a:schemeClr val="accent1">
+              <a:shade val="50000"/>
+            </a:schemeClr>
+          </a:lnRef>
+          <a:fillRef idx="1">
+            <a:schemeClr val="accent1"/>
+          </a:fillRef>
+          <a:effectRef idx="0">
+            <a:schemeClr val="accent1"/>
+          </a:effectRef>
+          <a:fontRef idx="minor">
+            <a:schemeClr val="lt1"/>
+          </a:fontRef>
+        </p:style>
+        <p:txBody>
+          <a:bodyPr rtlCol="0" anchor="ctr"/>
+          <a:lstStyle/>
+          <a:p>
+            <a:pPr algn="ctr"/>
+            <a:r>
+              <a:rPr lang="en-US" dirty="0" smtClean="0">
+                <a:solidFill>
+                  <a:schemeClr val="tx1"/>
+                </a:solidFill>
+              </a:rPr>
+              <a:t>GAMEBOARD TELLER</a:t>
+            </a:r>
+            <a:endParaRPr lang="en-US" dirty="0">
+              <a:solidFill>
+                <a:schemeClr val="tx1"/>
+              </a:solidFill>
+            </a:endParaRPr>
+          </a:p>
+        </p:txBody>
+      </p:sp>
+      <p:sp>
+        <p:nvSpPr>
+          <p:cNvPr id="11" name="Down Arrow 10"/>
+          <p:cNvSpPr/>
+          <p:nvPr/>
+        </p:nvSpPr>
+        <p:spPr>
+          <a:xfrm>
+            <a:off x="4114800" y="1676400"/>
+            <a:ext cx="914400" cy="4876800"/>
+          </a:xfrm>
+          <a:prstGeom prst="downArrow">
+            <a:avLst/>
+          </a:prstGeom>
+          <a:noFill/>
+          <a:ln>
+            <a:solidFill>
+              <a:schemeClr val="tx1"/>
+            </a:solidFill>
+          </a:ln>
+        </p:spPr>
+        <p:style>
+          <a:lnRef idx="2">
+            <a:schemeClr val="accent1">
+              <a:shade val="50000"/>
+            </a:schemeClr>
+          </a:lnRef>
+          <a:fillRef idx="1">
+            <a:schemeClr val="accent1"/>
+          </a:fillRef>
+          <a:effectRef idx="0">
+            <a:schemeClr val="accent1"/>
+          </a:effectRef>
+          <a:fontRef idx="minor">
+            <a:schemeClr val="lt1"/>
+          </a:fontRef>
+        </p:style>
+        <p:txBody>
+          <a:bodyPr rtlCol="0" anchor="ctr"/>
+          <a:lstStyle/>
+          <a:p>
+            <a:pPr algn="ctr"/>
+            <a:endParaRPr lang="en-US"/>
+          </a:p>
+        </p:txBody>
+      </p:sp>
+      <p:cxnSp>
+        <p:nvCxnSpPr>
+          <p:cNvPr id="13" name="Straight Arrow Connector 12"/>
+          <p:cNvCxnSpPr>
+            <a:endCxn id="3" idx="3"/>
+          </p:cNvCxnSpPr>
+          <p:nvPr/>
+        </p:nvCxnSpPr>
+        <p:spPr>
+          <a:xfrm rot="10800000">
+            <a:off x="3554428" y="5867400"/>
+            <a:ext cx="788972" cy="1588"/>
+          </a:xfrm>
+          <a:prstGeom prst="straightConnector1">
+            <a:avLst/>
+          </a:prstGeom>
+          <a:ln>
+            <a:tailEnd type="arrow"/>
+          </a:ln>
+        </p:spPr>
+        <p:style>
+          <a:lnRef idx="2">
+            <a:schemeClr val="dk1"/>
+          </a:lnRef>
+          <a:fillRef idx="0">
+            <a:schemeClr val="dk1"/>
+          </a:fillRef>
+          <a:effectRef idx="1">
+            <a:schemeClr val="dk1"/>
+          </a:effectRef>
+          <a:fontRef idx="minor">
+            <a:schemeClr val="tx1"/>
+          </a:fontRef>
+        </p:style>
+      </p:cxnSp>
+      <p:cxnSp>
+        <p:nvCxnSpPr>
+          <p:cNvPr id="16" name="Straight Arrow Connector 15"/>
+          <p:cNvCxnSpPr>
+            <a:endCxn id="6" idx="1"/>
+          </p:cNvCxnSpPr>
+          <p:nvPr/>
+        </p:nvCxnSpPr>
+        <p:spPr>
+          <a:xfrm flipV="1">
+            <a:off x="4800600" y="5836916"/>
+            <a:ext cx="816024" cy="30484"/>
+          </a:xfrm>
+          <a:prstGeom prst="straightConnector1">
+            <a:avLst/>
+          </a:prstGeom>
+          <a:ln>
+            <a:tailEnd type="arrow"/>
+          </a:ln>
+        </p:spPr>
+        <p:style>
+          <a:lnRef idx="2">
+            <a:schemeClr val="dk1"/>
+          </a:lnRef>
+          <a:fillRef idx="0">
+            <a:schemeClr val="dk1"/>
+          </a:fillRef>
+          <a:effectRef idx="1">
+            <a:schemeClr val="dk1"/>
+          </a:effectRef>
+          <a:fontRef idx="minor">
+            <a:schemeClr val="tx1"/>
+          </a:fontRef>
+        </p:style>
+      </p:cxnSp>
+      <p:cxnSp>
+        <p:nvCxnSpPr>
+          <p:cNvPr id="18" name="Straight Arrow Connector 17"/>
+          <p:cNvCxnSpPr>
+            <a:stCxn id="2" idx="0"/>
+            <a:endCxn id="8" idx="3"/>
+          </p:cNvCxnSpPr>
+          <p:nvPr/>
+        </p:nvCxnSpPr>
+        <p:spPr>
+          <a:xfrm rot="5400000" flipH="1" flipV="1">
+            <a:off x="1815314" y="3987014"/>
+            <a:ext cx="533400" cy="26972"/>
+          </a:xfrm>
+          <a:prstGeom prst="straightConnector1">
+            <a:avLst/>
+          </a:prstGeom>
+          <a:ln>
+            <a:tailEnd type="arrow"/>
+          </a:ln>
+        </p:spPr>
+        <p:style>
+          <a:lnRef idx="2">
+            <a:schemeClr val="dk1"/>
+          </a:lnRef>
+          <a:fillRef idx="0">
+            <a:schemeClr val="dk1"/>
+          </a:fillRef>
+          <a:effectRef idx="1">
+            <a:schemeClr val="dk1"/>
+          </a:effectRef>
+          <a:fontRef idx="minor">
+            <a:schemeClr val="tx1"/>
+          </a:fontRef>
+        </p:style>
+      </p:cxnSp>
+      <p:cxnSp>
+        <p:nvCxnSpPr>
+          <p:cNvPr id="22" name="Straight Arrow Connector 21"/>
+          <p:cNvCxnSpPr>
+            <a:stCxn id="5" idx="0"/>
+            <a:endCxn id="9" idx="3"/>
+          </p:cNvCxnSpPr>
+          <p:nvPr/>
+        </p:nvCxnSpPr>
+        <p:spPr>
+          <a:xfrm rot="5400000" flipH="1" flipV="1">
+            <a:off x="6824054" y="3936070"/>
+            <a:ext cx="579116" cy="22176"/>
+          </a:xfrm>
+          <a:prstGeom prst="straightConnector1">
+            <a:avLst/>
+          </a:prstGeom>
+          <a:ln>
+            <a:tailEnd type="arrow"/>
+          </a:ln>
+        </p:spPr>
+        <p:style>
+          <a:lnRef idx="2">
+            <a:schemeClr val="dk1"/>
+          </a:lnRef>
+          <a:fillRef idx="0">
+            <a:schemeClr val="dk1"/>
+          </a:fillRef>
+          <a:effectRef idx="1">
+            <a:schemeClr val="dk1"/>
+          </a:effectRef>
+          <a:fontRef idx="minor">
+            <a:schemeClr val="tx1"/>
+          </a:fontRef>
+        </p:style>
+      </p:cxnSp>
+      <p:cxnSp>
+        <p:nvCxnSpPr>
+          <p:cNvPr id="24" name="Straight Arrow Connector 23"/>
+          <p:cNvCxnSpPr>
+            <a:stCxn id="8" idx="0"/>
+          </p:cNvCxnSpPr>
+          <p:nvPr/>
+        </p:nvCxnSpPr>
+        <p:spPr>
+          <a:xfrm rot="5400000" flipH="1" flipV="1">
+            <a:off x="2343150" y="1352550"/>
+            <a:ext cx="381000" cy="876300"/>
+          </a:xfrm>
+          <a:prstGeom prst="straightConnector1">
+            <a:avLst/>
+          </a:prstGeom>
+          <a:ln>
+            <a:tailEnd type="arrow"/>
+          </a:ln>
+        </p:spPr>
+        <p:style>
+          <a:lnRef idx="2">
+            <a:schemeClr val="dk1"/>
+          </a:lnRef>
+          <a:fillRef idx="0">
+            <a:schemeClr val="dk1"/>
+          </a:fillRef>
+          <a:effectRef idx="1">
+            <a:schemeClr val="dk1"/>
+          </a:effectRef>
+          <a:fontRef idx="minor">
+            <a:schemeClr val="tx1"/>
+          </a:fontRef>
+        </p:style>
+      </p:cxnSp>
+      <p:cxnSp>
+        <p:nvCxnSpPr>
+          <p:cNvPr id="26" name="Straight Arrow Connector 25"/>
+          <p:cNvCxnSpPr>
+            <a:stCxn id="9" idx="0"/>
+          </p:cNvCxnSpPr>
+          <p:nvPr/>
+        </p:nvCxnSpPr>
+        <p:spPr>
+          <a:xfrm rot="16200000" flipV="1">
+            <a:off x="6419850" y="1200150"/>
+            <a:ext cx="304800" cy="1104900"/>
+          </a:xfrm>
+          <a:prstGeom prst="straightConnector1">
+            <a:avLst/>
+          </a:prstGeom>
+          <a:ln>
+            <a:tailEnd type="arrow"/>
+          </a:ln>
+        </p:spPr>
+        <p:style>
+          <a:lnRef idx="2">
+            <a:schemeClr val="dk1"/>
+          </a:lnRef>
+          <a:fillRef idx="0">
+            <a:schemeClr val="dk1"/>
+          </a:fillRef>
+          <a:effectRef idx="1">
+            <a:schemeClr val="dk1"/>
+          </a:effectRef>
+          <a:fontRef idx="minor">
+            <a:schemeClr val="tx1"/>
+          </a:fontRef>
+        </p:style>
+      </p:cxnSp>
+      <p:sp>
+        <p:nvSpPr>
+          <p:cNvPr id="27" name="TextBox 26"/>
+          <p:cNvSpPr txBox="1"/>
+          <p:nvPr/>
+        </p:nvSpPr>
+        <p:spPr>
+          <a:xfrm>
+            <a:off x="4419600" y="1828800"/>
+            <a:ext cx="304800" cy="3693319"/>
+          </a:xfrm>
+          <a:prstGeom prst="rect">
+            <a:avLst/>
+          </a:prstGeom>
+          <a:noFill/>
+        </p:spPr>
+        <p:txBody>
+          <a:bodyPr wrap="square" rtlCol="0">
+            <a:spAutoFit/>
+          </a:bodyPr>
+          <a:lstStyle/>
+          <a:p>
+            <a:endParaRPr lang="en-US" dirty="0" smtClean="0"/>
+          </a:p>
+          <a:p>
+            <a:endParaRPr lang="en-US" dirty="0" smtClean="0"/>
+          </a:p>
+          <a:p>
+            <a:r>
+              <a:rPr lang="en-US" dirty="0" smtClean="0"/>
+              <a:t>D</a:t>
+            </a:r>
+          </a:p>
+          <a:p>
+            <a:r>
+              <a:rPr lang="en-US" dirty="0" smtClean="0"/>
+              <a:t>A</a:t>
+            </a:r>
+          </a:p>
+          <a:p>
+            <a:r>
+              <a:rPr lang="en-US" dirty="0" smtClean="0"/>
+              <a:t>T</a:t>
+            </a:r>
+          </a:p>
+          <a:p>
+            <a:r>
+              <a:rPr lang="en-US" dirty="0" smtClean="0"/>
+              <a:t>A</a:t>
+            </a:r>
+          </a:p>
+          <a:p>
+            <a:endParaRPr lang="en-US" dirty="0" smtClean="0"/>
+          </a:p>
+          <a:p>
+            <a:r>
+              <a:rPr lang="en-US" dirty="0" smtClean="0"/>
+              <a:t>S</a:t>
+            </a:r>
+          </a:p>
+          <a:p>
+            <a:r>
+              <a:rPr lang="en-US" dirty="0" smtClean="0"/>
+              <a:t>T</a:t>
+            </a:r>
+          </a:p>
+          <a:p>
+            <a:r>
+              <a:rPr lang="en-US" dirty="0" smtClean="0"/>
+              <a:t>R</a:t>
+            </a:r>
+          </a:p>
+          <a:p>
+            <a:r>
+              <a:rPr lang="en-US" dirty="0" smtClean="0"/>
+              <a:t>E</a:t>
+            </a:r>
+          </a:p>
+          <a:p>
+            <a:r>
+              <a:rPr lang="en-US" dirty="0" smtClean="0"/>
+              <a:t>A</a:t>
+            </a:r>
+          </a:p>
+          <a:p>
+            <a:r>
+              <a:rPr lang="en-US" dirty="0" smtClean="0"/>
+              <a:t>M</a:t>
+            </a:r>
+            <a:endParaRPr lang="en-US" dirty="0"/>
+          </a:p>
+        </p:txBody>
+      </p:sp>
+    </p:spTree>
+  </p:cSld>
+  <p:clrMapOvr>
+    <a:masterClrMapping/>
+  </p:clrMapOvr>
+</p:sld>
+</file>
+
 <file path=ppt/theme/theme1.xml><?xml version="1.0" encoding="utf-8"?>
 <a:theme xmlns:a="http://schemas.openxmlformats.org/drawingml/2006/main" name="Office Theme">
   <a:themeElements>
